--- a/Documents/panel_introduction.pptx
+++ b/Documents/panel_introduction.pptx
@@ -5,20 +5,21 @@
     <p:sldMasterId id="2147483648" r:id="rId1"/>
   </p:sldMasterIdLst>
   <p:notesMasterIdLst>
-    <p:notesMasterId r:id="rId13"/>
+    <p:notesMasterId r:id="rId14"/>
   </p:notesMasterIdLst>
   <p:sldIdLst>
     <p:sldId id="257" r:id="rId2"/>
     <p:sldId id="259" r:id="rId3"/>
     <p:sldId id="260" r:id="rId4"/>
-    <p:sldId id="261" r:id="rId5"/>
-    <p:sldId id="262" r:id="rId6"/>
-    <p:sldId id="263" r:id="rId7"/>
-    <p:sldId id="264" r:id="rId8"/>
-    <p:sldId id="265" r:id="rId9"/>
-    <p:sldId id="266" r:id="rId10"/>
-    <p:sldId id="268" r:id="rId11"/>
-    <p:sldId id="267" r:id="rId12"/>
+    <p:sldId id="269" r:id="rId5"/>
+    <p:sldId id="261" r:id="rId6"/>
+    <p:sldId id="262" r:id="rId7"/>
+    <p:sldId id="263" r:id="rId8"/>
+    <p:sldId id="264" r:id="rId9"/>
+    <p:sldId id="265" r:id="rId10"/>
+    <p:sldId id="266" r:id="rId11"/>
+    <p:sldId id="268" r:id="rId12"/>
+    <p:sldId id="267" r:id="rId13"/>
   </p:sldIdLst>
   <p:sldSz cx="12192000" cy="6858000"/>
   <p:notesSz cx="6858000" cy="9144000"/>
@@ -207,7 +208,7 @@
           <a:p>
             <a:fld id="{107DF0B8-2BD3-F442-A057-07A2BDFDE09F}" type="datetimeFigureOut">
               <a:rPr lang="en-US" smtClean="0"/>
-              <a:t>6/6/23</a:t>
+              <a:t>6/14/23</a:t>
             </a:fld>
             <a:endParaRPr lang="en-US"/>
           </a:p>
@@ -731,7 +732,7 @@
           <a:p>
             <a:fld id="{0C8CD2DA-C67E-084F-8AD1-FD0C439B0FED}" type="datetimeFigureOut">
               <a:rPr lang="en-US" smtClean="0"/>
-              <a:t>6/6/23</a:t>
+              <a:t>6/14/23</a:t>
             </a:fld>
             <a:endParaRPr lang="en-US"/>
           </a:p>
@@ -931,7 +932,7 @@
           <a:p>
             <a:fld id="{0C8CD2DA-C67E-084F-8AD1-FD0C439B0FED}" type="datetimeFigureOut">
               <a:rPr lang="en-US" smtClean="0"/>
-              <a:t>6/6/23</a:t>
+              <a:t>6/14/23</a:t>
             </a:fld>
             <a:endParaRPr lang="en-US"/>
           </a:p>
@@ -1141,7 +1142,7 @@
           <a:p>
             <a:fld id="{0C8CD2DA-C67E-084F-8AD1-FD0C439B0FED}" type="datetimeFigureOut">
               <a:rPr lang="en-US" smtClean="0"/>
-              <a:t>6/6/23</a:t>
+              <a:t>6/14/23</a:t>
             </a:fld>
             <a:endParaRPr lang="en-US"/>
           </a:p>
@@ -1341,7 +1342,7 @@
           <a:p>
             <a:fld id="{0C8CD2DA-C67E-084F-8AD1-FD0C439B0FED}" type="datetimeFigureOut">
               <a:rPr lang="en-US" smtClean="0"/>
-              <a:t>6/6/23</a:t>
+              <a:t>6/14/23</a:t>
             </a:fld>
             <a:endParaRPr lang="en-US"/>
           </a:p>
@@ -1617,7 +1618,7 @@
           <a:p>
             <a:fld id="{0C8CD2DA-C67E-084F-8AD1-FD0C439B0FED}" type="datetimeFigureOut">
               <a:rPr lang="en-US" smtClean="0"/>
-              <a:t>6/6/23</a:t>
+              <a:t>6/14/23</a:t>
             </a:fld>
             <a:endParaRPr lang="en-US"/>
           </a:p>
@@ -1885,7 +1886,7 @@
           <a:p>
             <a:fld id="{0C8CD2DA-C67E-084F-8AD1-FD0C439B0FED}" type="datetimeFigureOut">
               <a:rPr lang="en-US" smtClean="0"/>
-              <a:t>6/6/23</a:t>
+              <a:t>6/14/23</a:t>
             </a:fld>
             <a:endParaRPr lang="en-US"/>
           </a:p>
@@ -2300,7 +2301,7 @@
           <a:p>
             <a:fld id="{0C8CD2DA-C67E-084F-8AD1-FD0C439B0FED}" type="datetimeFigureOut">
               <a:rPr lang="en-US" smtClean="0"/>
-              <a:t>6/6/23</a:t>
+              <a:t>6/14/23</a:t>
             </a:fld>
             <a:endParaRPr lang="en-US"/>
           </a:p>
@@ -2442,7 +2443,7 @@
           <a:p>
             <a:fld id="{0C8CD2DA-C67E-084F-8AD1-FD0C439B0FED}" type="datetimeFigureOut">
               <a:rPr lang="en-US" smtClean="0"/>
-              <a:t>6/6/23</a:t>
+              <a:t>6/14/23</a:t>
             </a:fld>
             <a:endParaRPr lang="en-US"/>
           </a:p>
@@ -2555,7 +2556,7 @@
           <a:p>
             <a:fld id="{0C8CD2DA-C67E-084F-8AD1-FD0C439B0FED}" type="datetimeFigureOut">
               <a:rPr lang="en-US" smtClean="0"/>
-              <a:t>6/6/23</a:t>
+              <a:t>6/14/23</a:t>
             </a:fld>
             <a:endParaRPr lang="en-US"/>
           </a:p>
@@ -2868,7 +2869,7 @@
           <a:p>
             <a:fld id="{0C8CD2DA-C67E-084F-8AD1-FD0C439B0FED}" type="datetimeFigureOut">
               <a:rPr lang="en-US" smtClean="0"/>
-              <a:t>6/6/23</a:t>
+              <a:t>6/14/23</a:t>
             </a:fld>
             <a:endParaRPr lang="en-US"/>
           </a:p>
@@ -3157,7 +3158,7 @@
           <a:p>
             <a:fld id="{0C8CD2DA-C67E-084F-8AD1-FD0C439B0FED}" type="datetimeFigureOut">
               <a:rPr lang="en-US" smtClean="0"/>
-              <a:t>6/6/23</a:t>
+              <a:t>6/14/23</a:t>
             </a:fld>
             <a:endParaRPr lang="en-US"/>
           </a:p>
@@ -3400,7 +3401,7 @@
           <a:p>
             <a:fld id="{0C8CD2DA-C67E-084F-8AD1-FD0C439B0FED}" type="datetimeFigureOut">
               <a:rPr lang="en-US" smtClean="0"/>
-              <a:t>6/6/23</a:t>
+              <a:t>6/14/23</a:t>
             </a:fld>
             <a:endParaRPr lang="en-US"/>
           </a:p>
@@ -4446,7 +4447,7 @@
       </p:grpSpPr>
       <p:sp>
         <p:nvSpPr>
-          <p:cNvPr id="10" name="Rectangle 9">
+          <p:cNvPr id="18" name="Rectangle 9">
             <a:extLst>
               <a:ext uri="{FF2B5EF4-FFF2-40B4-BE49-F238E27FC236}">
                 <a16:creationId xmlns:a16="http://schemas.microsoft.com/office/drawing/2014/main" id="{A4AC5506-6312-4701-8D3C-40187889A947}"/>
@@ -4512,6 +4513,182 @@
           <p:cNvPr id="2" name="Title 1">
             <a:extLst>
               <a:ext uri="{FF2B5EF4-FFF2-40B4-BE49-F238E27FC236}">
+                <a16:creationId xmlns:a16="http://schemas.microsoft.com/office/drawing/2014/main" id="{8D694EF9-851B-1687-D92E-1094F04C27CE}"/>
+              </a:ext>
+            </a:extLst>
+          </p:cNvPr>
+          <p:cNvSpPr>
+            <a:spLocks noGrp="1"/>
+          </p:cNvSpPr>
+          <p:nvPr>
+            <p:ph type="title"/>
+          </p:nvPr>
+        </p:nvSpPr>
+        <p:spPr>
+          <a:xfrm>
+            <a:off x="556532" y="643467"/>
+            <a:ext cx="11210925" cy="744836"/>
+          </a:xfrm>
+        </p:spPr>
+        <p:txBody>
+          <a:bodyPr vert="horz" lIns="91440" tIns="45720" rIns="91440" bIns="45720" rtlCol="0" anchor="ctr">
+            <a:normAutofit/>
+          </a:bodyPr>
+          <a:lstStyle/>
+          <a:p>
+            <a:pPr algn="ctr"/>
+            <a:r>
+              <a:rPr lang="en-US" sz="3200" kern="1200">
+                <a:solidFill>
+                  <a:schemeClr val="bg1"/>
+                </a:solidFill>
+                <a:latin typeface="+mj-lt"/>
+                <a:ea typeface="+mj-ea"/>
+                <a:cs typeface="+mj-cs"/>
+              </a:rPr>
+              <a:t>LoadFlow Calculation output: </a:t>
+            </a:r>
+          </a:p>
+        </p:txBody>
+      </p:sp>
+      <p:pic>
+        <p:nvPicPr>
+          <p:cNvPr id="5" name="Content Placeholder 4" descr="A screenshot of a computer&#10;&#10;Description automatically generated with medium confidence">
+            <a:extLst>
+              <a:ext uri="{FF2B5EF4-FFF2-40B4-BE49-F238E27FC236}">
+                <a16:creationId xmlns:a16="http://schemas.microsoft.com/office/drawing/2014/main" id="{08FADEF4-4FF4-2756-4CBE-925B3F9CF870}"/>
+              </a:ext>
+            </a:extLst>
+          </p:cNvPr>
+          <p:cNvPicPr>
+            <a:picLocks noGrp="1" noChangeAspect="1"/>
+          </p:cNvPicPr>
+          <p:nvPr>
+            <p:ph idx="1"/>
+          </p:nvPr>
+        </p:nvPicPr>
+        <p:blipFill>
+          <a:blip r:embed="rId2"/>
+          <a:stretch>
+            <a:fillRect/>
+          </a:stretch>
+        </p:blipFill>
+        <p:spPr>
+          <a:xfrm>
+            <a:off x="1213557" y="1675227"/>
+            <a:ext cx="9764886" cy="4394199"/>
+          </a:xfrm>
+          <a:prstGeom prst="rect">
+            <a:avLst/>
+          </a:prstGeom>
+        </p:spPr>
+      </p:pic>
+    </p:spTree>
+    <p:extLst>
+      <p:ext uri="{BB962C8B-B14F-4D97-AF65-F5344CB8AC3E}">
+        <p14:creationId xmlns:p14="http://schemas.microsoft.com/office/powerpoint/2010/main" val="2589352810"/>
+      </p:ext>
+    </p:extLst>
+  </p:cSld>
+  <p:clrMapOvr>
+    <a:masterClrMapping/>
+  </p:clrMapOvr>
+</p:sld>
+</file>
+
+<file path=ppt/slides/slide11.xml><?xml version="1.0" encoding="utf-8"?>
+<p:sld xmlns:a="http://schemas.openxmlformats.org/drawingml/2006/main" xmlns:r="http://schemas.openxmlformats.org/officeDocument/2006/relationships" xmlns:p="http://schemas.openxmlformats.org/presentationml/2006/main">
+  <p:cSld>
+    <p:bg>
+      <p:bgPr>
+        <a:solidFill>
+          <a:schemeClr val="bg1"/>
+        </a:solidFill>
+        <a:effectLst/>
+      </p:bgPr>
+    </p:bg>
+    <p:spTree>
+      <p:nvGrpSpPr>
+        <p:cNvPr id="1" name=""/>
+        <p:cNvGrpSpPr/>
+        <p:nvPr/>
+      </p:nvGrpSpPr>
+      <p:grpSpPr>
+        <a:xfrm>
+          <a:off x="0" y="0"/>
+          <a:ext cx="0" cy="0"/>
+          <a:chOff x="0" y="0"/>
+          <a:chExt cx="0" cy="0"/>
+        </a:xfrm>
+      </p:grpSpPr>
+      <p:sp>
+        <p:nvSpPr>
+          <p:cNvPr id="10" name="Rectangle 9">
+            <a:extLst>
+              <a:ext uri="{FF2B5EF4-FFF2-40B4-BE49-F238E27FC236}">
+                <a16:creationId xmlns:a16="http://schemas.microsoft.com/office/drawing/2014/main" id="{A4AC5506-6312-4701-8D3C-40187889A947}"/>
+              </a:ext>
+              <a:ext uri="{C183D7F6-B498-43B3-948B-1728B52AA6E4}">
+                <adec:decorative xmlns:adec="http://schemas.microsoft.com/office/drawing/2017/decorative" val="1"/>
+              </a:ext>
+            </a:extLst>
+          </p:cNvPr>
+          <p:cNvSpPr>
+            <a:spLocks noGrp="1" noRot="1" noChangeAspect="1" noMove="1" noResize="1" noEditPoints="1" noAdjustHandles="1" noChangeArrowheads="1" noChangeShapeType="1" noTextEdit="1"/>
+          </p:cNvSpPr>
+          <p:nvPr>
+            <p:extLst>
+              <p:ext uri="{386F3935-93C4-4BCD-93E2-E3B085C9AB24}">
+                <p16:designElem xmlns:p16="http://schemas.microsoft.com/office/powerpoint/2015/main" val="1"/>
+              </p:ext>
+            </p:extLst>
+          </p:nvPr>
+        </p:nvSpPr>
+        <p:spPr>
+          <a:xfrm>
+            <a:off x="0" y="651752"/>
+            <a:ext cx="12192000" cy="736551"/>
+          </a:xfrm>
+          <a:prstGeom prst="rect">
+            <a:avLst/>
+          </a:prstGeom>
+          <a:solidFill>
+            <a:schemeClr val="tx1"/>
+          </a:solidFill>
+          <a:ln>
+            <a:noFill/>
+          </a:ln>
+        </p:spPr>
+        <p:style>
+          <a:lnRef idx="2">
+            <a:schemeClr val="accent1">
+              <a:shade val="50000"/>
+            </a:schemeClr>
+          </a:lnRef>
+          <a:fillRef idx="1">
+            <a:schemeClr val="accent1"/>
+          </a:fillRef>
+          <a:effectRef idx="0">
+            <a:schemeClr val="accent1"/>
+          </a:effectRef>
+          <a:fontRef idx="minor">
+            <a:schemeClr val="lt1"/>
+          </a:fontRef>
+        </p:style>
+        <p:txBody>
+          <a:bodyPr rtlCol="0" anchor="ctr"/>
+          <a:lstStyle/>
+          <a:p>
+            <a:pPr algn="ctr"/>
+            <a:endParaRPr lang="en-US"/>
+          </a:p>
+        </p:txBody>
+      </p:sp>
+      <p:sp>
+        <p:nvSpPr>
+          <p:cNvPr id="2" name="Title 1">
+            <a:extLst>
+              <a:ext uri="{FF2B5EF4-FFF2-40B4-BE49-F238E27FC236}">
                 <a16:creationId xmlns:a16="http://schemas.microsoft.com/office/drawing/2014/main" id="{3D6928AB-BC8E-1E01-7939-105D03629D83}"/>
               </a:ext>
             </a:extLst>
@@ -4595,7 +4772,7 @@
 </p:sld>
 </file>
 
-<file path=ppt/slides/slide11.xml><?xml version="1.0" encoding="utf-8"?>
+<file path=ppt/slides/slide12.xml><?xml version="1.0" encoding="utf-8"?>
 <p:sld xmlns:a="http://schemas.openxmlformats.org/drawingml/2006/main" xmlns:r="http://schemas.openxmlformats.org/officeDocument/2006/relationships" xmlns:p="http://schemas.openxmlformats.org/presentationml/2006/main">
   <p:cSld>
     <p:bg>
@@ -4994,7 +5171,7 @@
           <a:lstStyle/>
           <a:p>
             <a:r>
-              <a:rPr lang="en-IN">
+              <a:rPr lang="en-IN" dirty="0">
                 <a:effectLst/>
                 <a:latin typeface="Times New Roman" panose="02020603050405020304" pitchFamily="18" charset="0"/>
                 <a:cs typeface="Times New Roman" panose="02020603050405020304" pitchFamily="18" charset="0"/>
@@ -5002,7 +5179,7 @@
               <a:t>The goal of this project is to create a web interface for </a:t>
             </a:r>
             <a:r>
-              <a:rPr lang="en-IN" err="1">
+              <a:rPr lang="en-IN" dirty="0" err="1">
                 <a:effectLst/>
                 <a:latin typeface="Times New Roman" panose="02020603050405020304" pitchFamily="18" charset="0"/>
                 <a:cs typeface="Times New Roman" panose="02020603050405020304" pitchFamily="18" charset="0"/>
@@ -5010,7 +5187,7 @@
               <a:t>Digsilent</a:t>
             </a:r>
             <a:r>
-              <a:rPr lang="en-IN">
+              <a:rPr lang="en-IN" dirty="0">
                 <a:effectLst/>
                 <a:latin typeface="Times New Roman" panose="02020603050405020304" pitchFamily="18" charset="0"/>
                 <a:cs typeface="Times New Roman" panose="02020603050405020304" pitchFamily="18" charset="0"/>
@@ -5019,7 +5196,7 @@
             </a:r>
           </a:p>
           <a:p>
-            <a:endParaRPr lang="en-IN">
+            <a:endParaRPr lang="en-IN" dirty="0">
               <a:effectLst/>
               <a:latin typeface="Times New Roman" panose="02020603050405020304" pitchFamily="18" charset="0"/>
               <a:cs typeface="Times New Roman" panose="02020603050405020304" pitchFamily="18" charset="0"/>
@@ -5027,7 +5204,7 @@
           </a:p>
           <a:p>
             <a:r>
-              <a:rPr lang="en-IN">
+              <a:rPr lang="en-IN" dirty="0">
                 <a:effectLst/>
                 <a:latin typeface="Times New Roman" panose="02020603050405020304" pitchFamily="18" charset="0"/>
                 <a:cs typeface="Times New Roman" panose="02020603050405020304" pitchFamily="18" charset="0"/>
@@ -5039,7 +5216,7 @@
             <a:pPr marL="0" indent="0">
               <a:buNone/>
             </a:pPr>
-            <a:endParaRPr lang="en-IN">
+            <a:endParaRPr lang="en-IN" dirty="0">
               <a:effectLst/>
               <a:latin typeface="Times New Roman" panose="02020603050405020304" pitchFamily="18" charset="0"/>
               <a:cs typeface="Times New Roman" panose="02020603050405020304" pitchFamily="18" charset="0"/>
@@ -5047,7 +5224,7 @@
           </a:p>
           <a:p>
             <a:r>
-              <a:rPr lang="en-IN">
+              <a:rPr lang="en-IN" dirty="0">
                 <a:effectLst/>
                 <a:latin typeface="Times New Roman" panose="02020603050405020304" pitchFamily="18" charset="0"/>
                 <a:cs typeface="Times New Roman" panose="02020603050405020304" pitchFamily="18" charset="0"/>
@@ -5059,7 +5236,7 @@
             <a:pPr marL="0" indent="0">
               <a:buNone/>
             </a:pPr>
-            <a:endParaRPr lang="en-US"/>
+            <a:endParaRPr lang="en-US" dirty="0"/>
           </a:p>
         </p:txBody>
       </p:sp>
@@ -5815,6 +5992,146 @@
 <file path=ppt/slides/slide4.xml><?xml version="1.0" encoding="utf-8"?>
 <p:sld xmlns:a="http://schemas.openxmlformats.org/drawingml/2006/main" xmlns:r="http://schemas.openxmlformats.org/officeDocument/2006/relationships" xmlns:p="http://schemas.openxmlformats.org/presentationml/2006/main">
   <p:cSld>
+    <p:spTree>
+      <p:nvGrpSpPr>
+        <p:cNvPr id="1" name=""/>
+        <p:cNvGrpSpPr/>
+        <p:nvPr/>
+      </p:nvGrpSpPr>
+      <p:grpSpPr>
+        <a:xfrm>
+          <a:off x="0" y="0"/>
+          <a:ext cx="0" cy="0"/>
+          <a:chOff x="0" y="0"/>
+          <a:chExt cx="0" cy="0"/>
+        </a:xfrm>
+      </p:grpSpPr>
+      <p:sp>
+        <p:nvSpPr>
+          <p:cNvPr id="2" name="Title 1">
+            <a:extLst>
+              <a:ext uri="{FF2B5EF4-FFF2-40B4-BE49-F238E27FC236}">
+                <a16:creationId xmlns:a16="http://schemas.microsoft.com/office/drawing/2014/main" id="{C22273B9-C176-CA27-D4B9-5A933B9ACD72}"/>
+              </a:ext>
+            </a:extLst>
+          </p:cNvPr>
+          <p:cNvSpPr>
+            <a:spLocks noGrp="1"/>
+          </p:cNvSpPr>
+          <p:nvPr>
+            <p:ph type="title"/>
+          </p:nvPr>
+        </p:nvSpPr>
+        <p:spPr/>
+        <p:txBody>
+          <a:bodyPr/>
+          <a:lstStyle/>
+          <a:p>
+            <a:r>
+              <a:rPr lang="en-US" b="1" dirty="0">
+                <a:latin typeface="Times New Roman" panose="02020603050405020304" pitchFamily="18" charset="0"/>
+                <a:cs typeface="Times New Roman" panose="02020603050405020304" pitchFamily="18" charset="0"/>
+              </a:rPr>
+              <a:t>Panel </a:t>
+            </a:r>
+          </a:p>
+        </p:txBody>
+      </p:sp>
+      <p:sp>
+        <p:nvSpPr>
+          <p:cNvPr id="3" name="Content Placeholder 2">
+            <a:extLst>
+              <a:ext uri="{FF2B5EF4-FFF2-40B4-BE49-F238E27FC236}">
+                <a16:creationId xmlns:a16="http://schemas.microsoft.com/office/drawing/2014/main" id="{93905749-4A4A-554B-A98B-B85951346B4E}"/>
+              </a:ext>
+            </a:extLst>
+          </p:cNvPr>
+          <p:cNvSpPr>
+            <a:spLocks noGrp="1"/>
+          </p:cNvSpPr>
+          <p:nvPr>
+            <p:ph idx="1"/>
+          </p:nvPr>
+        </p:nvSpPr>
+        <p:spPr>
+          <a:xfrm>
+            <a:off x="694944" y="1889760"/>
+            <a:ext cx="10658856" cy="4287203"/>
+          </a:xfrm>
+        </p:spPr>
+        <p:txBody>
+          <a:bodyPr>
+            <a:normAutofit/>
+          </a:bodyPr>
+          <a:lstStyle/>
+          <a:p>
+            <a:pPr algn="l"/>
+            <a:r>
+              <a:rPr lang="en-IN" sz="2200" b="0" i="0" dirty="0">
+                <a:effectLst/>
+                <a:latin typeface="Times New Roman" panose="02020603050405020304" pitchFamily="18" charset="0"/>
+                <a:cs typeface="Times New Roman" panose="02020603050405020304" pitchFamily="18" charset="0"/>
+              </a:rPr>
+              <a:t>The "panel" library is a Python package that provides a high-level interface for creating interactive web-based dashboards and applications. It is designed to work seamlessly with other popular data science and visualization libraries in Python, such as Pandas, Matplotlib, and Bokeh.</a:t>
+            </a:r>
+          </a:p>
+          <a:p>
+            <a:pPr algn="l"/>
+            <a:endParaRPr lang="en-IN" sz="2200" b="0" i="0" dirty="0">
+              <a:effectLst/>
+              <a:latin typeface="Times New Roman" panose="02020603050405020304" pitchFamily="18" charset="0"/>
+              <a:cs typeface="Times New Roman" panose="02020603050405020304" pitchFamily="18" charset="0"/>
+            </a:endParaRPr>
+          </a:p>
+          <a:p>
+            <a:pPr algn="l"/>
+            <a:r>
+              <a:rPr lang="en-IN" sz="2200" b="0" i="0" dirty="0">
+                <a:effectLst/>
+                <a:latin typeface="Times New Roman" panose="02020603050405020304" pitchFamily="18" charset="0"/>
+                <a:cs typeface="Times New Roman" panose="02020603050405020304" pitchFamily="18" charset="0"/>
+              </a:rPr>
+              <a:t>Panel allows you to build custom interactive web interfaces for your data analysis, visualization, and machine learning workflows. It provides a set of flexible and powerful components for creating interactive plots, tables, sliders, buttons, and other widgets, which can be organized and arranged in a layout that suits your needs.</a:t>
+            </a:r>
+          </a:p>
+          <a:p>
+            <a:pPr algn="l"/>
+            <a:endParaRPr lang="en-IN" sz="2200" b="0" i="0" dirty="0">
+              <a:effectLst/>
+              <a:latin typeface="Times New Roman" panose="02020603050405020304" pitchFamily="18" charset="0"/>
+              <a:cs typeface="Times New Roman" panose="02020603050405020304" pitchFamily="18" charset="0"/>
+            </a:endParaRPr>
+          </a:p>
+          <a:p>
+            <a:pPr algn="l"/>
+            <a:r>
+              <a:rPr lang="en-IN" sz="2200" b="0" i="0" dirty="0">
+                <a:effectLst/>
+                <a:latin typeface="Times New Roman" panose="02020603050405020304" pitchFamily="18" charset="0"/>
+                <a:cs typeface="Times New Roman" panose="02020603050405020304" pitchFamily="18" charset="0"/>
+              </a:rPr>
+              <a:t>With Panel, you can create interactive dashboards and applications directly from your Python code.</a:t>
+            </a:r>
+            <a:endParaRPr lang="en-US" dirty="0"/>
+          </a:p>
+        </p:txBody>
+      </p:sp>
+    </p:spTree>
+    <p:extLst>
+      <p:ext uri="{BB962C8B-B14F-4D97-AF65-F5344CB8AC3E}">
+        <p14:creationId xmlns:p14="http://schemas.microsoft.com/office/powerpoint/2010/main" val="1992837873"/>
+      </p:ext>
+    </p:extLst>
+  </p:cSld>
+  <p:clrMapOvr>
+    <a:masterClrMapping/>
+  </p:clrMapOvr>
+</p:sld>
+</file>
+
+<file path=ppt/slides/slide5.xml><?xml version="1.0" encoding="utf-8"?>
+<p:sld xmlns:a="http://schemas.openxmlformats.org/drawingml/2006/main" xmlns:r="http://schemas.openxmlformats.org/officeDocument/2006/relationships" xmlns:p="http://schemas.openxmlformats.org/presentationml/2006/main">
+  <p:cSld>
     <p:bg>
       <p:bgPr>
         <a:solidFill>
@@ -5931,8 +6248,8 @@
         </p:nvSpPr>
         <p:spPr>
           <a:xfrm>
-            <a:off x="1149716" y="499397"/>
-            <a:ext cx="5929422" cy="1640180"/>
+            <a:off x="1027796" y="5174"/>
+            <a:ext cx="5190124" cy="1238410"/>
           </a:xfrm>
         </p:spPr>
         <p:txBody>
@@ -5942,7 +6259,7 @@
           <a:lstStyle/>
           <a:p>
             <a:r>
-              <a:rPr lang="en-US" sz="4000" b="1"/>
+              <a:rPr lang="en-US" sz="4000" b="1" dirty="0"/>
               <a:t>INSTALLATION PROCESS </a:t>
             </a:r>
           </a:p>
@@ -5966,7 +6283,7 @@
         </p:nvSpPr>
         <p:spPr>
           <a:xfrm>
-            <a:off x="1149717" y="2423821"/>
+            <a:off x="1149716" y="2512956"/>
             <a:ext cx="6420126" cy="3519780"/>
           </a:xfrm>
         </p:spPr>
@@ -6518,7 +6835,7 @@
 </p:sld>
 </file>
 
-<file path=ppt/slides/slide5.xml><?xml version="1.0" encoding="utf-8"?>
+<file path=ppt/slides/slide6.xml><?xml version="1.0" encoding="utf-8"?>
 <p:sld xmlns:a="http://schemas.openxmlformats.org/drawingml/2006/main" xmlns:r="http://schemas.openxmlformats.org/officeDocument/2006/relationships" xmlns:p="http://schemas.openxmlformats.org/presentationml/2006/main">
   <p:cSld>
     <p:bg>
@@ -6993,7 +7310,7 @@
 </p:sld>
 </file>
 
-<file path=ppt/slides/slide6.xml><?xml version="1.0" encoding="utf-8"?>
+<file path=ppt/slides/slide7.xml><?xml version="1.0" encoding="utf-8"?>
 <p:sld xmlns:a="http://schemas.openxmlformats.org/drawingml/2006/main" xmlns:r="http://schemas.openxmlformats.org/officeDocument/2006/relationships" xmlns:p="http://schemas.openxmlformats.org/presentationml/2006/main">
   <p:cSld>
     <p:bg>
@@ -8167,7 +8484,7 @@
 </p:sld>
 </file>
 
-<file path=ppt/slides/slide7.xml><?xml version="1.0" encoding="utf-8"?>
+<file path=ppt/slides/slide8.xml><?xml version="1.0" encoding="utf-8"?>
 <p:sld xmlns:a="http://schemas.openxmlformats.org/drawingml/2006/main" xmlns:r="http://schemas.openxmlformats.org/officeDocument/2006/relationships" xmlns:p="http://schemas.openxmlformats.org/presentationml/2006/main">
   <p:cSld>
     <p:bg>
@@ -8516,7 +8833,7 @@
           <a:p>
             <a:r>
               <a:rPr lang="en-US" dirty="0"/>
-              <a:t>Navigate to the folder and activate the virtual environment.</a:t>
+              <a:t>Navigate to the folder and activate the virtual environment.[refer slide5]</a:t>
             </a:r>
           </a:p>
           <a:p>
@@ -8559,7 +8876,7 @@
 </p:sld>
 </file>
 
-<file path=ppt/slides/slide8.xml><?xml version="1.0" encoding="utf-8"?>
+<file path=ppt/slides/slide9.xml><?xml version="1.0" encoding="utf-8"?>
 <p:sld xmlns:a="http://schemas.openxmlformats.org/drawingml/2006/main" xmlns:r="http://schemas.openxmlformats.org/officeDocument/2006/relationships" xmlns:p="http://schemas.openxmlformats.org/presentationml/2006/main">
   <p:cSld>
     <p:spTree>
@@ -8674,182 +8991,6 @@
     <p:extLst>
       <p:ext uri="{BB962C8B-B14F-4D97-AF65-F5344CB8AC3E}">
         <p14:creationId xmlns:p14="http://schemas.microsoft.com/office/powerpoint/2010/main" val="1853014053"/>
-      </p:ext>
-    </p:extLst>
-  </p:cSld>
-  <p:clrMapOvr>
-    <a:masterClrMapping/>
-  </p:clrMapOvr>
-</p:sld>
-</file>
-
-<file path=ppt/slides/slide9.xml><?xml version="1.0" encoding="utf-8"?>
-<p:sld xmlns:a="http://schemas.openxmlformats.org/drawingml/2006/main" xmlns:r="http://schemas.openxmlformats.org/officeDocument/2006/relationships" xmlns:p="http://schemas.openxmlformats.org/presentationml/2006/main">
-  <p:cSld>
-    <p:bg>
-      <p:bgPr>
-        <a:solidFill>
-          <a:schemeClr val="bg1"/>
-        </a:solidFill>
-        <a:effectLst/>
-      </p:bgPr>
-    </p:bg>
-    <p:spTree>
-      <p:nvGrpSpPr>
-        <p:cNvPr id="1" name=""/>
-        <p:cNvGrpSpPr/>
-        <p:nvPr/>
-      </p:nvGrpSpPr>
-      <p:grpSpPr>
-        <a:xfrm>
-          <a:off x="0" y="0"/>
-          <a:ext cx="0" cy="0"/>
-          <a:chOff x="0" y="0"/>
-          <a:chExt cx="0" cy="0"/>
-        </a:xfrm>
-      </p:grpSpPr>
-      <p:sp>
-        <p:nvSpPr>
-          <p:cNvPr id="18" name="Rectangle 9">
-            <a:extLst>
-              <a:ext uri="{FF2B5EF4-FFF2-40B4-BE49-F238E27FC236}">
-                <a16:creationId xmlns:a16="http://schemas.microsoft.com/office/drawing/2014/main" id="{A4AC5506-6312-4701-8D3C-40187889A947}"/>
-              </a:ext>
-              <a:ext uri="{C183D7F6-B498-43B3-948B-1728B52AA6E4}">
-                <adec:decorative xmlns:adec="http://schemas.microsoft.com/office/drawing/2017/decorative" val="1"/>
-              </a:ext>
-            </a:extLst>
-          </p:cNvPr>
-          <p:cNvSpPr>
-            <a:spLocks noGrp="1" noRot="1" noChangeAspect="1" noMove="1" noResize="1" noEditPoints="1" noAdjustHandles="1" noChangeArrowheads="1" noChangeShapeType="1" noTextEdit="1"/>
-          </p:cNvSpPr>
-          <p:nvPr>
-            <p:extLst>
-              <p:ext uri="{386F3935-93C4-4BCD-93E2-E3B085C9AB24}">
-                <p16:designElem xmlns:p16="http://schemas.microsoft.com/office/powerpoint/2015/main" val="1"/>
-              </p:ext>
-            </p:extLst>
-          </p:nvPr>
-        </p:nvSpPr>
-        <p:spPr>
-          <a:xfrm>
-            <a:off x="0" y="651752"/>
-            <a:ext cx="12192000" cy="736551"/>
-          </a:xfrm>
-          <a:prstGeom prst="rect">
-            <a:avLst/>
-          </a:prstGeom>
-          <a:solidFill>
-            <a:schemeClr val="tx1"/>
-          </a:solidFill>
-          <a:ln>
-            <a:noFill/>
-          </a:ln>
-        </p:spPr>
-        <p:style>
-          <a:lnRef idx="2">
-            <a:schemeClr val="accent1">
-              <a:shade val="50000"/>
-            </a:schemeClr>
-          </a:lnRef>
-          <a:fillRef idx="1">
-            <a:schemeClr val="accent1"/>
-          </a:fillRef>
-          <a:effectRef idx="0">
-            <a:schemeClr val="accent1"/>
-          </a:effectRef>
-          <a:fontRef idx="minor">
-            <a:schemeClr val="lt1"/>
-          </a:fontRef>
-        </p:style>
-        <p:txBody>
-          <a:bodyPr rtlCol="0" anchor="ctr"/>
-          <a:lstStyle/>
-          <a:p>
-            <a:pPr algn="ctr"/>
-            <a:endParaRPr lang="en-US"/>
-          </a:p>
-        </p:txBody>
-      </p:sp>
-      <p:sp>
-        <p:nvSpPr>
-          <p:cNvPr id="2" name="Title 1">
-            <a:extLst>
-              <a:ext uri="{FF2B5EF4-FFF2-40B4-BE49-F238E27FC236}">
-                <a16:creationId xmlns:a16="http://schemas.microsoft.com/office/drawing/2014/main" id="{8D694EF9-851B-1687-D92E-1094F04C27CE}"/>
-              </a:ext>
-            </a:extLst>
-          </p:cNvPr>
-          <p:cNvSpPr>
-            <a:spLocks noGrp="1"/>
-          </p:cNvSpPr>
-          <p:nvPr>
-            <p:ph type="title"/>
-          </p:nvPr>
-        </p:nvSpPr>
-        <p:spPr>
-          <a:xfrm>
-            <a:off x="556532" y="643467"/>
-            <a:ext cx="11210925" cy="744836"/>
-          </a:xfrm>
-        </p:spPr>
-        <p:txBody>
-          <a:bodyPr vert="horz" lIns="91440" tIns="45720" rIns="91440" bIns="45720" rtlCol="0" anchor="ctr">
-            <a:normAutofit/>
-          </a:bodyPr>
-          <a:lstStyle/>
-          <a:p>
-            <a:pPr algn="ctr"/>
-            <a:r>
-              <a:rPr lang="en-US" sz="3200" kern="1200">
-                <a:solidFill>
-                  <a:schemeClr val="bg1"/>
-                </a:solidFill>
-                <a:latin typeface="+mj-lt"/>
-                <a:ea typeface="+mj-ea"/>
-                <a:cs typeface="+mj-cs"/>
-              </a:rPr>
-              <a:t>LoadFlow Calculation output: </a:t>
-            </a:r>
-          </a:p>
-        </p:txBody>
-      </p:sp>
-      <p:pic>
-        <p:nvPicPr>
-          <p:cNvPr id="5" name="Content Placeholder 4" descr="A screenshot of a computer&#10;&#10;Description automatically generated with medium confidence">
-            <a:extLst>
-              <a:ext uri="{FF2B5EF4-FFF2-40B4-BE49-F238E27FC236}">
-                <a16:creationId xmlns:a16="http://schemas.microsoft.com/office/drawing/2014/main" id="{08FADEF4-4FF4-2756-4CBE-925B3F9CF870}"/>
-              </a:ext>
-            </a:extLst>
-          </p:cNvPr>
-          <p:cNvPicPr>
-            <a:picLocks noGrp="1" noChangeAspect="1"/>
-          </p:cNvPicPr>
-          <p:nvPr>
-            <p:ph idx="1"/>
-          </p:nvPr>
-        </p:nvPicPr>
-        <p:blipFill>
-          <a:blip r:embed="rId2"/>
-          <a:stretch>
-            <a:fillRect/>
-          </a:stretch>
-        </p:blipFill>
-        <p:spPr>
-          <a:xfrm>
-            <a:off x="1213557" y="1675227"/>
-            <a:ext cx="9764886" cy="4394199"/>
-          </a:xfrm>
-          <a:prstGeom prst="rect">
-            <a:avLst/>
-          </a:prstGeom>
-        </p:spPr>
-      </p:pic>
-    </p:spTree>
-    <p:extLst>
-      <p:ext uri="{BB962C8B-B14F-4D97-AF65-F5344CB8AC3E}">
-        <p14:creationId xmlns:p14="http://schemas.microsoft.com/office/powerpoint/2010/main" val="2589352810"/>
       </p:ext>
     </p:extLst>
   </p:cSld>
